--- a/ppt 16-9/1186.敬老尊长.pptx
+++ b/ppt 16-9/1186.敬老尊长.pptx
@@ -5,7 +5,7 @@
     <p:sldMasterId id="2147483648" r:id="rId1"/>
   </p:sldMasterIdLst>
   <p:sldIdLst>
-    <p:sldId id="705" r:id="rId2"/>
+    <p:sldId id="707" r:id="rId2"/>
   </p:sldIdLst>
   <p:sldSz cx="12192000" cy="6858000"/>
   <p:notesSz cx="6858000" cy="9144000"/>
@@ -129,7 +129,7 @@
           <p:cNvPr id="2" name="标题 1">
             <a:extLst>
               <a:ext uri="{FF2B5EF4-FFF2-40B4-BE49-F238E27FC236}">
-                <a16:creationId xmlns:a16="http://schemas.microsoft.com/office/drawing/2014/main" id="{7BDD0868-8E1F-F408-7A17-505E6D844B49}"/>
+                <a16:creationId xmlns:a16="http://schemas.microsoft.com/office/drawing/2014/main" id="{C0FDB2EB-758A-1791-BAE1-5064C42861BD}"/>
               </a:ext>
             </a:extLst>
           </p:cNvPr>
@@ -166,7 +166,7 @@
           <p:cNvPr id="3" name="副标题 2">
             <a:extLst>
               <a:ext uri="{FF2B5EF4-FFF2-40B4-BE49-F238E27FC236}">
-                <a16:creationId xmlns:a16="http://schemas.microsoft.com/office/drawing/2014/main" id="{AB5EA4D1-8C7A-C181-2BF6-B3EA7E052DB7}"/>
+                <a16:creationId xmlns:a16="http://schemas.microsoft.com/office/drawing/2014/main" id="{C5EB7B2A-EFDA-D473-04A5-DF7BC90BBB55}"/>
               </a:ext>
             </a:extLst>
           </p:cNvPr>
@@ -236,7 +236,7 @@
           <p:cNvPr id="4" name="日期占位符 3">
             <a:extLst>
               <a:ext uri="{FF2B5EF4-FFF2-40B4-BE49-F238E27FC236}">
-                <a16:creationId xmlns:a16="http://schemas.microsoft.com/office/drawing/2014/main" id="{D7ADD56F-D482-C671-F1EA-95FBA57EED47}"/>
+                <a16:creationId xmlns:a16="http://schemas.microsoft.com/office/drawing/2014/main" id="{9BF420A8-6A71-C7A9-EE9C-C1677E98A73F}"/>
               </a:ext>
             </a:extLst>
           </p:cNvPr>
@@ -252,7 +252,7 @@
           <a:bodyPr/>
           <a:lstStyle/>
           <a:p>
-            <a:fld id="{1B4B7972-0F0D-47D0-A891-95900BBD7232}" type="datetimeFigureOut">
+            <a:fld id="{02358BCC-A18C-4167-9EFE-E58A84E14C31}" type="datetimeFigureOut">
               <a:rPr lang="zh-CN" altLang="en-US" smtClean="0"/>
               <a:t>2024/3/10</a:t>
             </a:fld>
@@ -265,7 +265,7 @@
           <p:cNvPr id="5" name="页脚占位符 4">
             <a:extLst>
               <a:ext uri="{FF2B5EF4-FFF2-40B4-BE49-F238E27FC236}">
-                <a16:creationId xmlns:a16="http://schemas.microsoft.com/office/drawing/2014/main" id="{79979683-C1D5-5081-829A-781CECAFABF6}"/>
+                <a16:creationId xmlns:a16="http://schemas.microsoft.com/office/drawing/2014/main" id="{FA7426B2-303C-156B-EFFA-F5B59E27E59A}"/>
               </a:ext>
             </a:extLst>
           </p:cNvPr>
@@ -290,7 +290,7 @@
           <p:cNvPr id="6" name="灯片编号占位符 5">
             <a:extLst>
               <a:ext uri="{FF2B5EF4-FFF2-40B4-BE49-F238E27FC236}">
-                <a16:creationId xmlns:a16="http://schemas.microsoft.com/office/drawing/2014/main" id="{92D20E2F-06C8-6C18-B72C-BE4641DF1EBC}"/>
+                <a16:creationId xmlns:a16="http://schemas.microsoft.com/office/drawing/2014/main" id="{BE2D24F7-2E51-41AC-1E10-2807E77C14F1}"/>
               </a:ext>
             </a:extLst>
           </p:cNvPr>
@@ -306,7 +306,7 @@
           <a:bodyPr/>
           <a:lstStyle/>
           <a:p>
-            <a:fld id="{52EA1711-DBE1-493D-82BC-3DE5D8E6D31C}" type="slidenum">
+            <a:fld id="{7E544135-7BA6-48C3-AAAA-9F9915FF44BF}" type="slidenum">
               <a:rPr lang="zh-CN" altLang="en-US" smtClean="0"/>
               <a:t>‹#›</a:t>
             </a:fld>
@@ -317,7 +317,7 @@
     </p:spTree>
     <p:extLst>
       <p:ext uri="{BB962C8B-B14F-4D97-AF65-F5344CB8AC3E}">
-        <p14:creationId xmlns:p14="http://schemas.microsoft.com/office/powerpoint/2010/main" val="4109378697"/>
+        <p14:creationId xmlns:p14="http://schemas.microsoft.com/office/powerpoint/2010/main" val="1220787994"/>
       </p:ext>
     </p:extLst>
   </p:cSld>
@@ -349,7 +349,7 @@
           <p:cNvPr id="2" name="标题 1">
             <a:extLst>
               <a:ext uri="{FF2B5EF4-FFF2-40B4-BE49-F238E27FC236}">
-                <a16:creationId xmlns:a16="http://schemas.microsoft.com/office/drawing/2014/main" id="{C2DE26B0-6FB1-BDD5-8919-71A8CFDF211A}"/>
+                <a16:creationId xmlns:a16="http://schemas.microsoft.com/office/drawing/2014/main" id="{791DDE06-3840-75CB-E5E6-D212861F5F37}"/>
               </a:ext>
             </a:extLst>
           </p:cNvPr>
@@ -377,7 +377,7 @@
           <p:cNvPr id="3" name="竖排文字占位符 2">
             <a:extLst>
               <a:ext uri="{FF2B5EF4-FFF2-40B4-BE49-F238E27FC236}">
-                <a16:creationId xmlns:a16="http://schemas.microsoft.com/office/drawing/2014/main" id="{7B945F6F-CDF1-6CD8-CEB6-6C9280A30138}"/>
+                <a16:creationId xmlns:a16="http://schemas.microsoft.com/office/drawing/2014/main" id="{822A251B-80DF-BACA-4CDD-A256B8F3570F}"/>
               </a:ext>
             </a:extLst>
           </p:cNvPr>
@@ -434,7 +434,7 @@
           <p:cNvPr id="4" name="日期占位符 3">
             <a:extLst>
               <a:ext uri="{FF2B5EF4-FFF2-40B4-BE49-F238E27FC236}">
-                <a16:creationId xmlns:a16="http://schemas.microsoft.com/office/drawing/2014/main" id="{1FAF003F-4F36-8315-E12E-F3023BE9B577}"/>
+                <a16:creationId xmlns:a16="http://schemas.microsoft.com/office/drawing/2014/main" id="{80DE657A-AA4E-6D54-A795-EF824385F47D}"/>
               </a:ext>
             </a:extLst>
           </p:cNvPr>
@@ -450,7 +450,7 @@
           <a:bodyPr/>
           <a:lstStyle/>
           <a:p>
-            <a:fld id="{1B4B7972-0F0D-47D0-A891-95900BBD7232}" type="datetimeFigureOut">
+            <a:fld id="{02358BCC-A18C-4167-9EFE-E58A84E14C31}" type="datetimeFigureOut">
               <a:rPr lang="zh-CN" altLang="en-US" smtClean="0"/>
               <a:t>2024/3/10</a:t>
             </a:fld>
@@ -463,7 +463,7 @@
           <p:cNvPr id="5" name="页脚占位符 4">
             <a:extLst>
               <a:ext uri="{FF2B5EF4-FFF2-40B4-BE49-F238E27FC236}">
-                <a16:creationId xmlns:a16="http://schemas.microsoft.com/office/drawing/2014/main" id="{A19E278B-1E9D-ACB9-B41A-2160B1B936D0}"/>
+                <a16:creationId xmlns:a16="http://schemas.microsoft.com/office/drawing/2014/main" id="{F2C9CD3F-2C01-86FA-54BC-44FCD19175A6}"/>
               </a:ext>
             </a:extLst>
           </p:cNvPr>
@@ -488,7 +488,7 @@
           <p:cNvPr id="6" name="灯片编号占位符 5">
             <a:extLst>
               <a:ext uri="{FF2B5EF4-FFF2-40B4-BE49-F238E27FC236}">
-                <a16:creationId xmlns:a16="http://schemas.microsoft.com/office/drawing/2014/main" id="{BB1B1EFE-2D87-853B-20F2-F1097B401656}"/>
+                <a16:creationId xmlns:a16="http://schemas.microsoft.com/office/drawing/2014/main" id="{70586571-2A2D-F183-3520-E62AE376333F}"/>
               </a:ext>
             </a:extLst>
           </p:cNvPr>
@@ -504,7 +504,7 @@
           <a:bodyPr/>
           <a:lstStyle/>
           <a:p>
-            <a:fld id="{52EA1711-DBE1-493D-82BC-3DE5D8E6D31C}" type="slidenum">
+            <a:fld id="{7E544135-7BA6-48C3-AAAA-9F9915FF44BF}" type="slidenum">
               <a:rPr lang="zh-CN" altLang="en-US" smtClean="0"/>
               <a:t>‹#›</a:t>
             </a:fld>
@@ -515,7 +515,7 @@
     </p:spTree>
     <p:extLst>
       <p:ext uri="{BB962C8B-B14F-4D97-AF65-F5344CB8AC3E}">
-        <p14:creationId xmlns:p14="http://schemas.microsoft.com/office/powerpoint/2010/main" val="2296954265"/>
+        <p14:creationId xmlns:p14="http://schemas.microsoft.com/office/powerpoint/2010/main" val="1593047090"/>
       </p:ext>
     </p:extLst>
   </p:cSld>
@@ -547,7 +547,7 @@
           <p:cNvPr id="2" name="竖排标题 1">
             <a:extLst>
               <a:ext uri="{FF2B5EF4-FFF2-40B4-BE49-F238E27FC236}">
-                <a16:creationId xmlns:a16="http://schemas.microsoft.com/office/drawing/2014/main" id="{8C65045D-B749-8E8E-BD50-716F014AD52A}"/>
+                <a16:creationId xmlns:a16="http://schemas.microsoft.com/office/drawing/2014/main" id="{1308050D-984E-54FD-D56A-18D9C64ED18C}"/>
               </a:ext>
             </a:extLst>
           </p:cNvPr>
@@ -580,7 +580,7 @@
           <p:cNvPr id="3" name="竖排文字占位符 2">
             <a:extLst>
               <a:ext uri="{FF2B5EF4-FFF2-40B4-BE49-F238E27FC236}">
-                <a16:creationId xmlns:a16="http://schemas.microsoft.com/office/drawing/2014/main" id="{7ED7C53B-95EF-77D8-E6DD-BFCED8261495}"/>
+                <a16:creationId xmlns:a16="http://schemas.microsoft.com/office/drawing/2014/main" id="{8B6020EF-C39B-8410-3CFA-A315E8A38FE8}"/>
               </a:ext>
             </a:extLst>
           </p:cNvPr>
@@ -642,7 +642,7 @@
           <p:cNvPr id="4" name="日期占位符 3">
             <a:extLst>
               <a:ext uri="{FF2B5EF4-FFF2-40B4-BE49-F238E27FC236}">
-                <a16:creationId xmlns:a16="http://schemas.microsoft.com/office/drawing/2014/main" id="{A94EE24A-F708-481B-433E-0FE96E2A622B}"/>
+                <a16:creationId xmlns:a16="http://schemas.microsoft.com/office/drawing/2014/main" id="{AD61D0F4-9E30-EB31-9766-6B4E71030E1D}"/>
               </a:ext>
             </a:extLst>
           </p:cNvPr>
@@ -658,7 +658,7 @@
           <a:bodyPr/>
           <a:lstStyle/>
           <a:p>
-            <a:fld id="{1B4B7972-0F0D-47D0-A891-95900BBD7232}" type="datetimeFigureOut">
+            <a:fld id="{02358BCC-A18C-4167-9EFE-E58A84E14C31}" type="datetimeFigureOut">
               <a:rPr lang="zh-CN" altLang="en-US" smtClean="0"/>
               <a:t>2024/3/10</a:t>
             </a:fld>
@@ -671,7 +671,7 @@
           <p:cNvPr id="5" name="页脚占位符 4">
             <a:extLst>
               <a:ext uri="{FF2B5EF4-FFF2-40B4-BE49-F238E27FC236}">
-                <a16:creationId xmlns:a16="http://schemas.microsoft.com/office/drawing/2014/main" id="{83D2B007-0094-9301-7205-D3A8B7E652DB}"/>
+                <a16:creationId xmlns:a16="http://schemas.microsoft.com/office/drawing/2014/main" id="{4E5C3C17-B0D6-8326-58C5-91D9CF95EC1E}"/>
               </a:ext>
             </a:extLst>
           </p:cNvPr>
@@ -696,7 +696,7 @@
           <p:cNvPr id="6" name="灯片编号占位符 5">
             <a:extLst>
               <a:ext uri="{FF2B5EF4-FFF2-40B4-BE49-F238E27FC236}">
-                <a16:creationId xmlns:a16="http://schemas.microsoft.com/office/drawing/2014/main" id="{AF54E973-EDCA-1F5F-81B4-7C5F4BC32FB9}"/>
+                <a16:creationId xmlns:a16="http://schemas.microsoft.com/office/drawing/2014/main" id="{8B35DEAA-6AF1-95AC-05A1-84BE18BB57D5}"/>
               </a:ext>
             </a:extLst>
           </p:cNvPr>
@@ -712,7 +712,7 @@
           <a:bodyPr/>
           <a:lstStyle/>
           <a:p>
-            <a:fld id="{52EA1711-DBE1-493D-82BC-3DE5D8E6D31C}" type="slidenum">
+            <a:fld id="{7E544135-7BA6-48C3-AAAA-9F9915FF44BF}" type="slidenum">
               <a:rPr lang="zh-CN" altLang="en-US" smtClean="0"/>
               <a:t>‹#›</a:t>
             </a:fld>
@@ -723,7 +723,7 @@
     </p:spTree>
     <p:extLst>
       <p:ext uri="{BB962C8B-B14F-4D97-AF65-F5344CB8AC3E}">
-        <p14:creationId xmlns:p14="http://schemas.microsoft.com/office/powerpoint/2010/main" val="1408627731"/>
+        <p14:creationId xmlns:p14="http://schemas.microsoft.com/office/powerpoint/2010/main" val="1539616082"/>
       </p:ext>
     </p:extLst>
   </p:cSld>
@@ -755,7 +755,7 @@
           <p:cNvPr id="2" name="标题 1">
             <a:extLst>
               <a:ext uri="{FF2B5EF4-FFF2-40B4-BE49-F238E27FC236}">
-                <a16:creationId xmlns:a16="http://schemas.microsoft.com/office/drawing/2014/main" id="{2F10291F-CA02-5A87-414F-72213C84BCD5}"/>
+                <a16:creationId xmlns:a16="http://schemas.microsoft.com/office/drawing/2014/main" id="{01174645-9603-E3A3-9818-F5814DC643E5}"/>
               </a:ext>
             </a:extLst>
           </p:cNvPr>
@@ -783,7 +783,7 @@
           <p:cNvPr id="3" name="内容占位符 2">
             <a:extLst>
               <a:ext uri="{FF2B5EF4-FFF2-40B4-BE49-F238E27FC236}">
-                <a16:creationId xmlns:a16="http://schemas.microsoft.com/office/drawing/2014/main" id="{37636A5E-8FEA-D10A-6DA6-7B2DB13259C4}"/>
+                <a16:creationId xmlns:a16="http://schemas.microsoft.com/office/drawing/2014/main" id="{BD9277E1-7E3B-9CC5-F8DA-0945ADA02D98}"/>
               </a:ext>
             </a:extLst>
           </p:cNvPr>
@@ -840,7 +840,7 @@
           <p:cNvPr id="4" name="日期占位符 3">
             <a:extLst>
               <a:ext uri="{FF2B5EF4-FFF2-40B4-BE49-F238E27FC236}">
-                <a16:creationId xmlns:a16="http://schemas.microsoft.com/office/drawing/2014/main" id="{68F736FB-926F-CCDC-1A3E-9E07C78678B5}"/>
+                <a16:creationId xmlns:a16="http://schemas.microsoft.com/office/drawing/2014/main" id="{FFB3DBCA-41DE-0B99-9C2B-E9D2A5EA591D}"/>
               </a:ext>
             </a:extLst>
           </p:cNvPr>
@@ -856,7 +856,7 @@
           <a:bodyPr/>
           <a:lstStyle/>
           <a:p>
-            <a:fld id="{1B4B7972-0F0D-47D0-A891-95900BBD7232}" type="datetimeFigureOut">
+            <a:fld id="{02358BCC-A18C-4167-9EFE-E58A84E14C31}" type="datetimeFigureOut">
               <a:rPr lang="zh-CN" altLang="en-US" smtClean="0"/>
               <a:t>2024/3/10</a:t>
             </a:fld>
@@ -869,7 +869,7 @@
           <p:cNvPr id="5" name="页脚占位符 4">
             <a:extLst>
               <a:ext uri="{FF2B5EF4-FFF2-40B4-BE49-F238E27FC236}">
-                <a16:creationId xmlns:a16="http://schemas.microsoft.com/office/drawing/2014/main" id="{01203E96-7088-8F19-5AD0-26969D58A043}"/>
+                <a16:creationId xmlns:a16="http://schemas.microsoft.com/office/drawing/2014/main" id="{29FECD7F-4326-A383-048D-FB3A441B5874}"/>
               </a:ext>
             </a:extLst>
           </p:cNvPr>
@@ -894,7 +894,7 @@
           <p:cNvPr id="6" name="灯片编号占位符 5">
             <a:extLst>
               <a:ext uri="{FF2B5EF4-FFF2-40B4-BE49-F238E27FC236}">
-                <a16:creationId xmlns:a16="http://schemas.microsoft.com/office/drawing/2014/main" id="{2D10C83C-8844-171B-6333-DC963FB58111}"/>
+                <a16:creationId xmlns:a16="http://schemas.microsoft.com/office/drawing/2014/main" id="{9049C7B1-6F2C-0054-88A4-F44ED7733C2F}"/>
               </a:ext>
             </a:extLst>
           </p:cNvPr>
@@ -910,7 +910,7 @@
           <a:bodyPr/>
           <a:lstStyle/>
           <a:p>
-            <a:fld id="{52EA1711-DBE1-493D-82BC-3DE5D8E6D31C}" type="slidenum">
+            <a:fld id="{7E544135-7BA6-48C3-AAAA-9F9915FF44BF}" type="slidenum">
               <a:rPr lang="zh-CN" altLang="en-US" smtClean="0"/>
               <a:t>‹#›</a:t>
             </a:fld>
@@ -921,7 +921,7 @@
     </p:spTree>
     <p:extLst>
       <p:ext uri="{BB962C8B-B14F-4D97-AF65-F5344CB8AC3E}">
-        <p14:creationId xmlns:p14="http://schemas.microsoft.com/office/powerpoint/2010/main" val="3272336682"/>
+        <p14:creationId xmlns:p14="http://schemas.microsoft.com/office/powerpoint/2010/main" val="4110428913"/>
       </p:ext>
     </p:extLst>
   </p:cSld>
@@ -953,7 +953,7 @@
           <p:cNvPr id="2" name="标题 1">
             <a:extLst>
               <a:ext uri="{FF2B5EF4-FFF2-40B4-BE49-F238E27FC236}">
-                <a16:creationId xmlns:a16="http://schemas.microsoft.com/office/drawing/2014/main" id="{47CF8CCD-AE57-8E6F-83B1-FD012C75F7FF}"/>
+                <a16:creationId xmlns:a16="http://schemas.microsoft.com/office/drawing/2014/main" id="{2BE0BE39-220E-A046-17A0-3BFE13869434}"/>
               </a:ext>
             </a:extLst>
           </p:cNvPr>
@@ -990,7 +990,7 @@
           <p:cNvPr id="3" name="文本占位符 2">
             <a:extLst>
               <a:ext uri="{FF2B5EF4-FFF2-40B4-BE49-F238E27FC236}">
-                <a16:creationId xmlns:a16="http://schemas.microsoft.com/office/drawing/2014/main" id="{21F6DF1F-B17A-A45F-4AEC-4BE697560AD5}"/>
+                <a16:creationId xmlns:a16="http://schemas.microsoft.com/office/drawing/2014/main" id="{33FBE24B-5F0F-EA9F-AD91-B5FA8CC7FE51}"/>
               </a:ext>
             </a:extLst>
           </p:cNvPr>
@@ -1115,7 +1115,7 @@
           <p:cNvPr id="4" name="日期占位符 3">
             <a:extLst>
               <a:ext uri="{FF2B5EF4-FFF2-40B4-BE49-F238E27FC236}">
-                <a16:creationId xmlns:a16="http://schemas.microsoft.com/office/drawing/2014/main" id="{2D861E6D-0F60-41EF-E66C-844A03A1285B}"/>
+                <a16:creationId xmlns:a16="http://schemas.microsoft.com/office/drawing/2014/main" id="{7DA08AF6-6B34-9C05-FF2F-5692B3F48FA0}"/>
               </a:ext>
             </a:extLst>
           </p:cNvPr>
@@ -1131,7 +1131,7 @@
           <a:bodyPr/>
           <a:lstStyle/>
           <a:p>
-            <a:fld id="{1B4B7972-0F0D-47D0-A891-95900BBD7232}" type="datetimeFigureOut">
+            <a:fld id="{02358BCC-A18C-4167-9EFE-E58A84E14C31}" type="datetimeFigureOut">
               <a:rPr lang="zh-CN" altLang="en-US" smtClean="0"/>
               <a:t>2024/3/10</a:t>
             </a:fld>
@@ -1144,7 +1144,7 @@
           <p:cNvPr id="5" name="页脚占位符 4">
             <a:extLst>
               <a:ext uri="{FF2B5EF4-FFF2-40B4-BE49-F238E27FC236}">
-                <a16:creationId xmlns:a16="http://schemas.microsoft.com/office/drawing/2014/main" id="{EC2C0315-7B0E-EABF-0BCE-D99226268765}"/>
+                <a16:creationId xmlns:a16="http://schemas.microsoft.com/office/drawing/2014/main" id="{5932D743-7ECC-1271-7B59-4BBF877A26D2}"/>
               </a:ext>
             </a:extLst>
           </p:cNvPr>
@@ -1169,7 +1169,7 @@
           <p:cNvPr id="6" name="灯片编号占位符 5">
             <a:extLst>
               <a:ext uri="{FF2B5EF4-FFF2-40B4-BE49-F238E27FC236}">
-                <a16:creationId xmlns:a16="http://schemas.microsoft.com/office/drawing/2014/main" id="{329210EB-0F36-6A6A-5999-8CC4A1CF718E}"/>
+                <a16:creationId xmlns:a16="http://schemas.microsoft.com/office/drawing/2014/main" id="{F0325CB2-10F6-AD0D-EACE-A45426D48706}"/>
               </a:ext>
             </a:extLst>
           </p:cNvPr>
@@ -1185,7 +1185,7 @@
           <a:bodyPr/>
           <a:lstStyle/>
           <a:p>
-            <a:fld id="{52EA1711-DBE1-493D-82BC-3DE5D8E6D31C}" type="slidenum">
+            <a:fld id="{7E544135-7BA6-48C3-AAAA-9F9915FF44BF}" type="slidenum">
               <a:rPr lang="zh-CN" altLang="en-US" smtClean="0"/>
               <a:t>‹#›</a:t>
             </a:fld>
@@ -1196,7 +1196,7 @@
     </p:spTree>
     <p:extLst>
       <p:ext uri="{BB962C8B-B14F-4D97-AF65-F5344CB8AC3E}">
-        <p14:creationId xmlns:p14="http://schemas.microsoft.com/office/powerpoint/2010/main" val="4063758223"/>
+        <p14:creationId xmlns:p14="http://schemas.microsoft.com/office/powerpoint/2010/main" val="312630653"/>
       </p:ext>
     </p:extLst>
   </p:cSld>
@@ -1228,7 +1228,7 @@
           <p:cNvPr id="2" name="标题 1">
             <a:extLst>
               <a:ext uri="{FF2B5EF4-FFF2-40B4-BE49-F238E27FC236}">
-                <a16:creationId xmlns:a16="http://schemas.microsoft.com/office/drawing/2014/main" id="{3DFC0142-F946-79FC-00A4-FED9526D90BF}"/>
+                <a16:creationId xmlns:a16="http://schemas.microsoft.com/office/drawing/2014/main" id="{A64A290D-C446-736A-CA8C-2A720DBB3EE2}"/>
               </a:ext>
             </a:extLst>
           </p:cNvPr>
@@ -1256,7 +1256,7 @@
           <p:cNvPr id="3" name="内容占位符 2">
             <a:extLst>
               <a:ext uri="{FF2B5EF4-FFF2-40B4-BE49-F238E27FC236}">
-                <a16:creationId xmlns:a16="http://schemas.microsoft.com/office/drawing/2014/main" id="{967026C0-9B36-4235-09E2-5FEEB2FFEE14}"/>
+                <a16:creationId xmlns:a16="http://schemas.microsoft.com/office/drawing/2014/main" id="{C7237942-E7DF-54E4-9624-87DC0D06D9FF}"/>
               </a:ext>
             </a:extLst>
           </p:cNvPr>
@@ -1318,7 +1318,7 @@
           <p:cNvPr id="4" name="内容占位符 3">
             <a:extLst>
               <a:ext uri="{FF2B5EF4-FFF2-40B4-BE49-F238E27FC236}">
-                <a16:creationId xmlns:a16="http://schemas.microsoft.com/office/drawing/2014/main" id="{701542E2-24E4-060E-F739-EB7F379BCD59}"/>
+                <a16:creationId xmlns:a16="http://schemas.microsoft.com/office/drawing/2014/main" id="{1C61A679-5454-C071-FACB-8FC042367B45}"/>
               </a:ext>
             </a:extLst>
           </p:cNvPr>
@@ -1380,7 +1380,7 @@
           <p:cNvPr id="5" name="日期占位符 4">
             <a:extLst>
               <a:ext uri="{FF2B5EF4-FFF2-40B4-BE49-F238E27FC236}">
-                <a16:creationId xmlns:a16="http://schemas.microsoft.com/office/drawing/2014/main" id="{FB288B32-DA65-AD6E-AC42-A3D468F1CDCA}"/>
+                <a16:creationId xmlns:a16="http://schemas.microsoft.com/office/drawing/2014/main" id="{2E582B60-DEEC-88FC-45B9-7578FEAAD16C}"/>
               </a:ext>
             </a:extLst>
           </p:cNvPr>
@@ -1396,7 +1396,7 @@
           <a:bodyPr/>
           <a:lstStyle/>
           <a:p>
-            <a:fld id="{1B4B7972-0F0D-47D0-A891-95900BBD7232}" type="datetimeFigureOut">
+            <a:fld id="{02358BCC-A18C-4167-9EFE-E58A84E14C31}" type="datetimeFigureOut">
               <a:rPr lang="zh-CN" altLang="en-US" smtClean="0"/>
               <a:t>2024/3/10</a:t>
             </a:fld>
@@ -1409,7 +1409,7 @@
           <p:cNvPr id="6" name="页脚占位符 5">
             <a:extLst>
               <a:ext uri="{FF2B5EF4-FFF2-40B4-BE49-F238E27FC236}">
-                <a16:creationId xmlns:a16="http://schemas.microsoft.com/office/drawing/2014/main" id="{A2270D8E-E613-6144-B781-267D7F917ED3}"/>
+                <a16:creationId xmlns:a16="http://schemas.microsoft.com/office/drawing/2014/main" id="{E1C61B53-8A58-95F3-4260-981A752B2E0B}"/>
               </a:ext>
             </a:extLst>
           </p:cNvPr>
@@ -1434,7 +1434,7 @@
           <p:cNvPr id="7" name="灯片编号占位符 6">
             <a:extLst>
               <a:ext uri="{FF2B5EF4-FFF2-40B4-BE49-F238E27FC236}">
-                <a16:creationId xmlns:a16="http://schemas.microsoft.com/office/drawing/2014/main" id="{9AB4B036-4C96-D8AF-4DBA-7CE4CE196A45}"/>
+                <a16:creationId xmlns:a16="http://schemas.microsoft.com/office/drawing/2014/main" id="{CC9CC088-C920-DEAE-051E-DEE31F73630D}"/>
               </a:ext>
             </a:extLst>
           </p:cNvPr>
@@ -1450,7 +1450,7 @@
           <a:bodyPr/>
           <a:lstStyle/>
           <a:p>
-            <a:fld id="{52EA1711-DBE1-493D-82BC-3DE5D8E6D31C}" type="slidenum">
+            <a:fld id="{7E544135-7BA6-48C3-AAAA-9F9915FF44BF}" type="slidenum">
               <a:rPr lang="zh-CN" altLang="en-US" smtClean="0"/>
               <a:t>‹#›</a:t>
             </a:fld>
@@ -1461,7 +1461,7 @@
     </p:spTree>
     <p:extLst>
       <p:ext uri="{BB962C8B-B14F-4D97-AF65-F5344CB8AC3E}">
-        <p14:creationId xmlns:p14="http://schemas.microsoft.com/office/powerpoint/2010/main" val="1589517207"/>
+        <p14:creationId xmlns:p14="http://schemas.microsoft.com/office/powerpoint/2010/main" val="3591212200"/>
       </p:ext>
     </p:extLst>
   </p:cSld>
@@ -1493,7 +1493,7 @@
           <p:cNvPr id="2" name="标题 1">
             <a:extLst>
               <a:ext uri="{FF2B5EF4-FFF2-40B4-BE49-F238E27FC236}">
-                <a16:creationId xmlns:a16="http://schemas.microsoft.com/office/drawing/2014/main" id="{438405E3-235E-D009-AF89-F26C52B2BC0D}"/>
+                <a16:creationId xmlns:a16="http://schemas.microsoft.com/office/drawing/2014/main" id="{26E27B40-D951-638B-3172-5B14F63EB843}"/>
               </a:ext>
             </a:extLst>
           </p:cNvPr>
@@ -1526,7 +1526,7 @@
           <p:cNvPr id="3" name="文本占位符 2">
             <a:extLst>
               <a:ext uri="{FF2B5EF4-FFF2-40B4-BE49-F238E27FC236}">
-                <a16:creationId xmlns:a16="http://schemas.microsoft.com/office/drawing/2014/main" id="{4B49E8F0-D088-347C-6CA2-E1FFAF974D15}"/>
+                <a16:creationId xmlns:a16="http://schemas.microsoft.com/office/drawing/2014/main" id="{3FB21224-53EE-28B2-8B98-FBAF7A6BFECB}"/>
               </a:ext>
             </a:extLst>
           </p:cNvPr>
@@ -1597,7 +1597,7 @@
           <p:cNvPr id="4" name="内容占位符 3">
             <a:extLst>
               <a:ext uri="{FF2B5EF4-FFF2-40B4-BE49-F238E27FC236}">
-                <a16:creationId xmlns:a16="http://schemas.microsoft.com/office/drawing/2014/main" id="{104411B3-91AA-09BF-82C9-21BB2FB82D01}"/>
+                <a16:creationId xmlns:a16="http://schemas.microsoft.com/office/drawing/2014/main" id="{4B18C9B7-E076-2650-D9DC-2DD1152439A2}"/>
               </a:ext>
             </a:extLst>
           </p:cNvPr>
@@ -1659,7 +1659,7 @@
           <p:cNvPr id="5" name="文本占位符 4">
             <a:extLst>
               <a:ext uri="{FF2B5EF4-FFF2-40B4-BE49-F238E27FC236}">
-                <a16:creationId xmlns:a16="http://schemas.microsoft.com/office/drawing/2014/main" id="{D1E45B48-554E-696E-B4D4-D5685B696D2C}"/>
+                <a16:creationId xmlns:a16="http://schemas.microsoft.com/office/drawing/2014/main" id="{66B4D547-1D13-8052-DCE9-0CC2F6981E01}"/>
               </a:ext>
             </a:extLst>
           </p:cNvPr>
@@ -1730,7 +1730,7 @@
           <p:cNvPr id="6" name="内容占位符 5">
             <a:extLst>
               <a:ext uri="{FF2B5EF4-FFF2-40B4-BE49-F238E27FC236}">
-                <a16:creationId xmlns:a16="http://schemas.microsoft.com/office/drawing/2014/main" id="{928376F5-52FB-67DD-9FF1-CC289E02C155}"/>
+                <a16:creationId xmlns:a16="http://schemas.microsoft.com/office/drawing/2014/main" id="{8B8A34BF-4DF6-9E10-7B31-828F50F18131}"/>
               </a:ext>
             </a:extLst>
           </p:cNvPr>
@@ -1792,7 +1792,7 @@
           <p:cNvPr id="7" name="日期占位符 6">
             <a:extLst>
               <a:ext uri="{FF2B5EF4-FFF2-40B4-BE49-F238E27FC236}">
-                <a16:creationId xmlns:a16="http://schemas.microsoft.com/office/drawing/2014/main" id="{9DD5F610-0B3A-D565-5724-7A3FDE7C6C4E}"/>
+                <a16:creationId xmlns:a16="http://schemas.microsoft.com/office/drawing/2014/main" id="{1808A65B-0CDB-F1A7-5F95-11D3136A03E4}"/>
               </a:ext>
             </a:extLst>
           </p:cNvPr>
@@ -1808,7 +1808,7 @@
           <a:bodyPr/>
           <a:lstStyle/>
           <a:p>
-            <a:fld id="{1B4B7972-0F0D-47D0-A891-95900BBD7232}" type="datetimeFigureOut">
+            <a:fld id="{02358BCC-A18C-4167-9EFE-E58A84E14C31}" type="datetimeFigureOut">
               <a:rPr lang="zh-CN" altLang="en-US" smtClean="0"/>
               <a:t>2024/3/10</a:t>
             </a:fld>
@@ -1821,7 +1821,7 @@
           <p:cNvPr id="8" name="页脚占位符 7">
             <a:extLst>
               <a:ext uri="{FF2B5EF4-FFF2-40B4-BE49-F238E27FC236}">
-                <a16:creationId xmlns:a16="http://schemas.microsoft.com/office/drawing/2014/main" id="{7DB15691-B493-67C8-DA63-4F1CBCC18DBE}"/>
+                <a16:creationId xmlns:a16="http://schemas.microsoft.com/office/drawing/2014/main" id="{879148B1-5F91-544D-AE0F-1936A77CDBEF}"/>
               </a:ext>
             </a:extLst>
           </p:cNvPr>
@@ -1846,7 +1846,7 @@
           <p:cNvPr id="9" name="灯片编号占位符 8">
             <a:extLst>
               <a:ext uri="{FF2B5EF4-FFF2-40B4-BE49-F238E27FC236}">
-                <a16:creationId xmlns:a16="http://schemas.microsoft.com/office/drawing/2014/main" id="{1D995A9A-8E69-5C6C-C85B-06C831895725}"/>
+                <a16:creationId xmlns:a16="http://schemas.microsoft.com/office/drawing/2014/main" id="{599AA414-ABF5-CB42-15C7-48D25B47F1E2}"/>
               </a:ext>
             </a:extLst>
           </p:cNvPr>
@@ -1862,7 +1862,7 @@
           <a:bodyPr/>
           <a:lstStyle/>
           <a:p>
-            <a:fld id="{52EA1711-DBE1-493D-82BC-3DE5D8E6D31C}" type="slidenum">
+            <a:fld id="{7E544135-7BA6-48C3-AAAA-9F9915FF44BF}" type="slidenum">
               <a:rPr lang="zh-CN" altLang="en-US" smtClean="0"/>
               <a:t>‹#›</a:t>
             </a:fld>
@@ -1873,7 +1873,7 @@
     </p:spTree>
     <p:extLst>
       <p:ext uri="{BB962C8B-B14F-4D97-AF65-F5344CB8AC3E}">
-        <p14:creationId xmlns:p14="http://schemas.microsoft.com/office/powerpoint/2010/main" val="136171243"/>
+        <p14:creationId xmlns:p14="http://schemas.microsoft.com/office/powerpoint/2010/main" val="4000269513"/>
       </p:ext>
     </p:extLst>
   </p:cSld>
@@ -1905,7 +1905,7 @@
           <p:cNvPr id="2" name="标题 1">
             <a:extLst>
               <a:ext uri="{FF2B5EF4-FFF2-40B4-BE49-F238E27FC236}">
-                <a16:creationId xmlns:a16="http://schemas.microsoft.com/office/drawing/2014/main" id="{55254399-A79D-2C47-2219-B2D8FF5066C4}"/>
+                <a16:creationId xmlns:a16="http://schemas.microsoft.com/office/drawing/2014/main" id="{42E9A90C-4E68-192C-1E4E-E03C01D4FA41}"/>
               </a:ext>
             </a:extLst>
           </p:cNvPr>
@@ -1933,7 +1933,7 @@
           <p:cNvPr id="3" name="日期占位符 2">
             <a:extLst>
               <a:ext uri="{FF2B5EF4-FFF2-40B4-BE49-F238E27FC236}">
-                <a16:creationId xmlns:a16="http://schemas.microsoft.com/office/drawing/2014/main" id="{671C4FA9-2200-0671-8B90-B470FC34AC2A}"/>
+                <a16:creationId xmlns:a16="http://schemas.microsoft.com/office/drawing/2014/main" id="{92BC89F6-552C-106F-E9AA-3EDE19535BC8}"/>
               </a:ext>
             </a:extLst>
           </p:cNvPr>
@@ -1949,7 +1949,7 @@
           <a:bodyPr/>
           <a:lstStyle/>
           <a:p>
-            <a:fld id="{1B4B7972-0F0D-47D0-A891-95900BBD7232}" type="datetimeFigureOut">
+            <a:fld id="{02358BCC-A18C-4167-9EFE-E58A84E14C31}" type="datetimeFigureOut">
               <a:rPr lang="zh-CN" altLang="en-US" smtClean="0"/>
               <a:t>2024/3/10</a:t>
             </a:fld>
@@ -1962,7 +1962,7 @@
           <p:cNvPr id="4" name="页脚占位符 3">
             <a:extLst>
               <a:ext uri="{FF2B5EF4-FFF2-40B4-BE49-F238E27FC236}">
-                <a16:creationId xmlns:a16="http://schemas.microsoft.com/office/drawing/2014/main" id="{FAEAAD7C-E02F-A84C-AD4C-132A8059A288}"/>
+                <a16:creationId xmlns:a16="http://schemas.microsoft.com/office/drawing/2014/main" id="{2A9D6902-AC1A-F10D-B388-A7694456D79D}"/>
               </a:ext>
             </a:extLst>
           </p:cNvPr>
@@ -1987,7 +1987,7 @@
           <p:cNvPr id="5" name="灯片编号占位符 4">
             <a:extLst>
               <a:ext uri="{FF2B5EF4-FFF2-40B4-BE49-F238E27FC236}">
-                <a16:creationId xmlns:a16="http://schemas.microsoft.com/office/drawing/2014/main" id="{8342AD40-A48F-25D0-9B3D-754EB985EB36}"/>
+                <a16:creationId xmlns:a16="http://schemas.microsoft.com/office/drawing/2014/main" id="{080D6E87-389C-D6A2-F335-90286E9B0257}"/>
               </a:ext>
             </a:extLst>
           </p:cNvPr>
@@ -2003,7 +2003,7 @@
           <a:bodyPr/>
           <a:lstStyle/>
           <a:p>
-            <a:fld id="{52EA1711-DBE1-493D-82BC-3DE5D8E6D31C}" type="slidenum">
+            <a:fld id="{7E544135-7BA6-48C3-AAAA-9F9915FF44BF}" type="slidenum">
               <a:rPr lang="zh-CN" altLang="en-US" smtClean="0"/>
               <a:t>‹#›</a:t>
             </a:fld>
@@ -2014,7 +2014,7 @@
     </p:spTree>
     <p:extLst>
       <p:ext uri="{BB962C8B-B14F-4D97-AF65-F5344CB8AC3E}">
-        <p14:creationId xmlns:p14="http://schemas.microsoft.com/office/powerpoint/2010/main" val="2112890567"/>
+        <p14:creationId xmlns:p14="http://schemas.microsoft.com/office/powerpoint/2010/main" val="4072402805"/>
       </p:ext>
     </p:extLst>
   </p:cSld>
@@ -2046,7 +2046,7 @@
           <p:cNvPr id="2" name="日期占位符 1">
             <a:extLst>
               <a:ext uri="{FF2B5EF4-FFF2-40B4-BE49-F238E27FC236}">
-                <a16:creationId xmlns:a16="http://schemas.microsoft.com/office/drawing/2014/main" id="{A4F17687-4109-8A23-3DA8-F4C0D2D6DAEF}"/>
+                <a16:creationId xmlns:a16="http://schemas.microsoft.com/office/drawing/2014/main" id="{6A883EBB-7DD6-2988-61DD-3B65F7505C6D}"/>
               </a:ext>
             </a:extLst>
           </p:cNvPr>
@@ -2062,7 +2062,7 @@
           <a:bodyPr/>
           <a:lstStyle/>
           <a:p>
-            <a:fld id="{1B4B7972-0F0D-47D0-A891-95900BBD7232}" type="datetimeFigureOut">
+            <a:fld id="{02358BCC-A18C-4167-9EFE-E58A84E14C31}" type="datetimeFigureOut">
               <a:rPr lang="zh-CN" altLang="en-US" smtClean="0"/>
               <a:t>2024/3/10</a:t>
             </a:fld>
@@ -2075,7 +2075,7 @@
           <p:cNvPr id="3" name="页脚占位符 2">
             <a:extLst>
               <a:ext uri="{FF2B5EF4-FFF2-40B4-BE49-F238E27FC236}">
-                <a16:creationId xmlns:a16="http://schemas.microsoft.com/office/drawing/2014/main" id="{6B8651F6-E66C-343B-38E3-6C65A57E634C}"/>
+                <a16:creationId xmlns:a16="http://schemas.microsoft.com/office/drawing/2014/main" id="{40002D4A-989B-07EB-C42D-257D1AF94F1F}"/>
               </a:ext>
             </a:extLst>
           </p:cNvPr>
@@ -2100,7 +2100,7 @@
           <p:cNvPr id="4" name="灯片编号占位符 3">
             <a:extLst>
               <a:ext uri="{FF2B5EF4-FFF2-40B4-BE49-F238E27FC236}">
-                <a16:creationId xmlns:a16="http://schemas.microsoft.com/office/drawing/2014/main" id="{0FDA46E2-995B-7E04-6557-EB36DA8BD876}"/>
+                <a16:creationId xmlns:a16="http://schemas.microsoft.com/office/drawing/2014/main" id="{BF48D53F-8B7E-1D8C-DF3A-59137A2AE6EA}"/>
               </a:ext>
             </a:extLst>
           </p:cNvPr>
@@ -2116,7 +2116,7 @@
           <a:bodyPr/>
           <a:lstStyle/>
           <a:p>
-            <a:fld id="{52EA1711-DBE1-493D-82BC-3DE5D8E6D31C}" type="slidenum">
+            <a:fld id="{7E544135-7BA6-48C3-AAAA-9F9915FF44BF}" type="slidenum">
               <a:rPr lang="zh-CN" altLang="en-US" smtClean="0"/>
               <a:t>‹#›</a:t>
             </a:fld>
@@ -2127,7 +2127,7 @@
     </p:spTree>
     <p:extLst>
       <p:ext uri="{BB962C8B-B14F-4D97-AF65-F5344CB8AC3E}">
-        <p14:creationId xmlns:p14="http://schemas.microsoft.com/office/powerpoint/2010/main" val="1609212396"/>
+        <p14:creationId xmlns:p14="http://schemas.microsoft.com/office/powerpoint/2010/main" val="679562"/>
       </p:ext>
     </p:extLst>
   </p:cSld>
@@ -2159,7 +2159,7 @@
           <p:cNvPr id="2" name="标题 1">
             <a:extLst>
               <a:ext uri="{FF2B5EF4-FFF2-40B4-BE49-F238E27FC236}">
-                <a16:creationId xmlns:a16="http://schemas.microsoft.com/office/drawing/2014/main" id="{32C4B975-1847-80AF-9C74-C768B82338A5}"/>
+                <a16:creationId xmlns:a16="http://schemas.microsoft.com/office/drawing/2014/main" id="{0418202B-2630-2F86-2BEE-ADFD51B6288A}"/>
               </a:ext>
             </a:extLst>
           </p:cNvPr>
@@ -2196,7 +2196,7 @@
           <p:cNvPr id="3" name="内容占位符 2">
             <a:extLst>
               <a:ext uri="{FF2B5EF4-FFF2-40B4-BE49-F238E27FC236}">
-                <a16:creationId xmlns:a16="http://schemas.microsoft.com/office/drawing/2014/main" id="{D622420B-A495-E045-C76A-F63AEAD008A9}"/>
+                <a16:creationId xmlns:a16="http://schemas.microsoft.com/office/drawing/2014/main" id="{E249D347-FC15-84E5-35E1-81EF51E08115}"/>
               </a:ext>
             </a:extLst>
           </p:cNvPr>
@@ -2286,7 +2286,7 @@
           <p:cNvPr id="4" name="文本占位符 3">
             <a:extLst>
               <a:ext uri="{FF2B5EF4-FFF2-40B4-BE49-F238E27FC236}">
-                <a16:creationId xmlns:a16="http://schemas.microsoft.com/office/drawing/2014/main" id="{23F7ECBB-934E-9BA4-EB7E-DF09E5FDB990}"/>
+                <a16:creationId xmlns:a16="http://schemas.microsoft.com/office/drawing/2014/main" id="{31F20635-F4D9-DE48-44DE-C3AFEB220AF8}"/>
               </a:ext>
             </a:extLst>
           </p:cNvPr>
@@ -2357,7 +2357,7 @@
           <p:cNvPr id="5" name="日期占位符 4">
             <a:extLst>
               <a:ext uri="{FF2B5EF4-FFF2-40B4-BE49-F238E27FC236}">
-                <a16:creationId xmlns:a16="http://schemas.microsoft.com/office/drawing/2014/main" id="{C56E2D11-5D54-F47D-27B9-04F00DEF5967}"/>
+                <a16:creationId xmlns:a16="http://schemas.microsoft.com/office/drawing/2014/main" id="{43A4E902-5A5F-FEA4-577B-5B4052B7DF33}"/>
               </a:ext>
             </a:extLst>
           </p:cNvPr>
@@ -2373,7 +2373,7 @@
           <a:bodyPr/>
           <a:lstStyle/>
           <a:p>
-            <a:fld id="{1B4B7972-0F0D-47D0-A891-95900BBD7232}" type="datetimeFigureOut">
+            <a:fld id="{02358BCC-A18C-4167-9EFE-E58A84E14C31}" type="datetimeFigureOut">
               <a:rPr lang="zh-CN" altLang="en-US" smtClean="0"/>
               <a:t>2024/3/10</a:t>
             </a:fld>
@@ -2386,7 +2386,7 @@
           <p:cNvPr id="6" name="页脚占位符 5">
             <a:extLst>
               <a:ext uri="{FF2B5EF4-FFF2-40B4-BE49-F238E27FC236}">
-                <a16:creationId xmlns:a16="http://schemas.microsoft.com/office/drawing/2014/main" id="{4F72484C-C145-3C07-81E0-BABF2A619E50}"/>
+                <a16:creationId xmlns:a16="http://schemas.microsoft.com/office/drawing/2014/main" id="{D5AAAC7E-6C5B-A3FD-A39D-D674FFCCC0DC}"/>
               </a:ext>
             </a:extLst>
           </p:cNvPr>
@@ -2411,7 +2411,7 @@
           <p:cNvPr id="7" name="灯片编号占位符 6">
             <a:extLst>
               <a:ext uri="{FF2B5EF4-FFF2-40B4-BE49-F238E27FC236}">
-                <a16:creationId xmlns:a16="http://schemas.microsoft.com/office/drawing/2014/main" id="{EEC38857-B03C-0981-91F6-3E50E74A7CC5}"/>
+                <a16:creationId xmlns:a16="http://schemas.microsoft.com/office/drawing/2014/main" id="{A05F2AF4-472C-14BA-1E4F-857270E4CE76}"/>
               </a:ext>
             </a:extLst>
           </p:cNvPr>
@@ -2427,7 +2427,7 @@
           <a:bodyPr/>
           <a:lstStyle/>
           <a:p>
-            <a:fld id="{52EA1711-DBE1-493D-82BC-3DE5D8E6D31C}" type="slidenum">
+            <a:fld id="{7E544135-7BA6-48C3-AAAA-9F9915FF44BF}" type="slidenum">
               <a:rPr lang="zh-CN" altLang="en-US" smtClean="0"/>
               <a:t>‹#›</a:t>
             </a:fld>
@@ -2438,7 +2438,7 @@
     </p:spTree>
     <p:extLst>
       <p:ext uri="{BB962C8B-B14F-4D97-AF65-F5344CB8AC3E}">
-        <p14:creationId xmlns:p14="http://schemas.microsoft.com/office/powerpoint/2010/main" val="3630365054"/>
+        <p14:creationId xmlns:p14="http://schemas.microsoft.com/office/powerpoint/2010/main" val="3381036193"/>
       </p:ext>
     </p:extLst>
   </p:cSld>
@@ -2470,7 +2470,7 @@
           <p:cNvPr id="2" name="标题 1">
             <a:extLst>
               <a:ext uri="{FF2B5EF4-FFF2-40B4-BE49-F238E27FC236}">
-                <a16:creationId xmlns:a16="http://schemas.microsoft.com/office/drawing/2014/main" id="{6136E83B-7B5B-F85D-4B47-41A7CD7104DB}"/>
+                <a16:creationId xmlns:a16="http://schemas.microsoft.com/office/drawing/2014/main" id="{0186429A-02E2-0EFB-41A4-F366C6B6DB49}"/>
               </a:ext>
             </a:extLst>
           </p:cNvPr>
@@ -2507,7 +2507,7 @@
           <p:cNvPr id="3" name="图片占位符 2">
             <a:extLst>
               <a:ext uri="{FF2B5EF4-FFF2-40B4-BE49-F238E27FC236}">
-                <a16:creationId xmlns:a16="http://schemas.microsoft.com/office/drawing/2014/main" id="{A5108B5C-964D-E494-61EF-7060C1EE6F56}"/>
+                <a16:creationId xmlns:a16="http://schemas.microsoft.com/office/drawing/2014/main" id="{DA9A5464-2A94-FEA1-5741-D333523CD9C9}"/>
               </a:ext>
             </a:extLst>
           </p:cNvPr>
@@ -2574,7 +2574,7 @@
           <p:cNvPr id="4" name="文本占位符 3">
             <a:extLst>
               <a:ext uri="{FF2B5EF4-FFF2-40B4-BE49-F238E27FC236}">
-                <a16:creationId xmlns:a16="http://schemas.microsoft.com/office/drawing/2014/main" id="{3A471A8F-9672-68C0-0A78-015A742CE885}"/>
+                <a16:creationId xmlns:a16="http://schemas.microsoft.com/office/drawing/2014/main" id="{E2C723D8-5F1E-2613-8823-F85ADCA47E54}"/>
               </a:ext>
             </a:extLst>
           </p:cNvPr>
@@ -2645,7 +2645,7 @@
           <p:cNvPr id="5" name="日期占位符 4">
             <a:extLst>
               <a:ext uri="{FF2B5EF4-FFF2-40B4-BE49-F238E27FC236}">
-                <a16:creationId xmlns:a16="http://schemas.microsoft.com/office/drawing/2014/main" id="{C2F0F91C-5E42-2D35-B878-411AAB0AAE86}"/>
+                <a16:creationId xmlns:a16="http://schemas.microsoft.com/office/drawing/2014/main" id="{0C19CF0D-E9C0-26A0-A63C-E2DE40D89B54}"/>
               </a:ext>
             </a:extLst>
           </p:cNvPr>
@@ -2661,7 +2661,7 @@
           <a:bodyPr/>
           <a:lstStyle/>
           <a:p>
-            <a:fld id="{1B4B7972-0F0D-47D0-A891-95900BBD7232}" type="datetimeFigureOut">
+            <a:fld id="{02358BCC-A18C-4167-9EFE-E58A84E14C31}" type="datetimeFigureOut">
               <a:rPr lang="zh-CN" altLang="en-US" smtClean="0"/>
               <a:t>2024/3/10</a:t>
             </a:fld>
@@ -2674,7 +2674,7 @@
           <p:cNvPr id="6" name="页脚占位符 5">
             <a:extLst>
               <a:ext uri="{FF2B5EF4-FFF2-40B4-BE49-F238E27FC236}">
-                <a16:creationId xmlns:a16="http://schemas.microsoft.com/office/drawing/2014/main" id="{4AB7BE5B-EE2C-5740-F64A-376355A06AED}"/>
+                <a16:creationId xmlns:a16="http://schemas.microsoft.com/office/drawing/2014/main" id="{E9478449-91B6-4ED2-C3D1-D03954BE8A94}"/>
               </a:ext>
             </a:extLst>
           </p:cNvPr>
@@ -2699,7 +2699,7 @@
           <p:cNvPr id="7" name="灯片编号占位符 6">
             <a:extLst>
               <a:ext uri="{FF2B5EF4-FFF2-40B4-BE49-F238E27FC236}">
-                <a16:creationId xmlns:a16="http://schemas.microsoft.com/office/drawing/2014/main" id="{403EA609-D0C3-5A33-4CDB-D1C0C981F408}"/>
+                <a16:creationId xmlns:a16="http://schemas.microsoft.com/office/drawing/2014/main" id="{707D8CF2-F948-CFBE-D35C-4A799999802E}"/>
               </a:ext>
             </a:extLst>
           </p:cNvPr>
@@ -2715,7 +2715,7 @@
           <a:bodyPr/>
           <a:lstStyle/>
           <a:p>
-            <a:fld id="{52EA1711-DBE1-493D-82BC-3DE5D8E6D31C}" type="slidenum">
+            <a:fld id="{7E544135-7BA6-48C3-AAAA-9F9915FF44BF}" type="slidenum">
               <a:rPr lang="zh-CN" altLang="en-US" smtClean="0"/>
               <a:t>‹#›</a:t>
             </a:fld>
@@ -2726,7 +2726,7 @@
     </p:spTree>
     <p:extLst>
       <p:ext uri="{BB962C8B-B14F-4D97-AF65-F5344CB8AC3E}">
-        <p14:creationId xmlns:p14="http://schemas.microsoft.com/office/powerpoint/2010/main" val="2984684196"/>
+        <p14:creationId xmlns:p14="http://schemas.microsoft.com/office/powerpoint/2010/main" val="4047124701"/>
       </p:ext>
     </p:extLst>
   </p:cSld>
@@ -2763,7 +2763,7 @@
           <p:cNvPr id="2" name="标题占位符 1">
             <a:extLst>
               <a:ext uri="{FF2B5EF4-FFF2-40B4-BE49-F238E27FC236}">
-                <a16:creationId xmlns:a16="http://schemas.microsoft.com/office/drawing/2014/main" id="{A8A5D7F3-A958-B588-736D-D7B60C52EEE2}"/>
+                <a16:creationId xmlns:a16="http://schemas.microsoft.com/office/drawing/2014/main" id="{07AE5524-521B-AB29-A797-95163C2C4BBC}"/>
               </a:ext>
             </a:extLst>
           </p:cNvPr>
@@ -2801,7 +2801,7 @@
           <p:cNvPr id="3" name="文本占位符 2">
             <a:extLst>
               <a:ext uri="{FF2B5EF4-FFF2-40B4-BE49-F238E27FC236}">
-                <a16:creationId xmlns:a16="http://schemas.microsoft.com/office/drawing/2014/main" id="{3B84C639-9E6E-28B7-CC92-D015766EEC3C}"/>
+                <a16:creationId xmlns:a16="http://schemas.microsoft.com/office/drawing/2014/main" id="{D066010F-9ECB-345D-2FB8-B6B54A46B5A3}"/>
               </a:ext>
             </a:extLst>
           </p:cNvPr>
@@ -2868,7 +2868,7 @@
           <p:cNvPr id="4" name="日期占位符 3">
             <a:extLst>
               <a:ext uri="{FF2B5EF4-FFF2-40B4-BE49-F238E27FC236}">
-                <a16:creationId xmlns:a16="http://schemas.microsoft.com/office/drawing/2014/main" id="{369202DE-F781-CE81-CA06-1344BE1FE9D6}"/>
+                <a16:creationId xmlns:a16="http://schemas.microsoft.com/office/drawing/2014/main" id="{ADE7F772-540D-45F8-D390-862EE16E2D33}"/>
               </a:ext>
             </a:extLst>
           </p:cNvPr>
@@ -2902,7 +2902,7 @@
             </a:lvl1pPr>
           </a:lstStyle>
           <a:p>
-            <a:fld id="{1B4B7972-0F0D-47D0-A891-95900BBD7232}" type="datetimeFigureOut">
+            <a:fld id="{02358BCC-A18C-4167-9EFE-E58A84E14C31}" type="datetimeFigureOut">
               <a:rPr lang="zh-CN" altLang="en-US" smtClean="0"/>
               <a:t>2024/3/10</a:t>
             </a:fld>
@@ -2915,7 +2915,7 @@
           <p:cNvPr id="5" name="页脚占位符 4">
             <a:extLst>
               <a:ext uri="{FF2B5EF4-FFF2-40B4-BE49-F238E27FC236}">
-                <a16:creationId xmlns:a16="http://schemas.microsoft.com/office/drawing/2014/main" id="{2D7F823F-862C-55B6-3083-E1479ACFE83A}"/>
+                <a16:creationId xmlns:a16="http://schemas.microsoft.com/office/drawing/2014/main" id="{A0D2E716-4AC3-3FDA-F56F-1228715AB84D}"/>
               </a:ext>
             </a:extLst>
           </p:cNvPr>
@@ -2958,7 +2958,7 @@
           <p:cNvPr id="6" name="灯片编号占位符 5">
             <a:extLst>
               <a:ext uri="{FF2B5EF4-FFF2-40B4-BE49-F238E27FC236}">
-                <a16:creationId xmlns:a16="http://schemas.microsoft.com/office/drawing/2014/main" id="{EA387CC2-2E36-65AD-E786-76CCDF838254}"/>
+                <a16:creationId xmlns:a16="http://schemas.microsoft.com/office/drawing/2014/main" id="{C7A4A1BD-C8FB-7E5B-21F1-76D7A9D4CE5B}"/>
               </a:ext>
             </a:extLst>
           </p:cNvPr>
@@ -2992,7 +2992,7 @@
             </a:lvl1pPr>
           </a:lstStyle>
           <a:p>
-            <a:fld id="{52EA1711-DBE1-493D-82BC-3DE5D8E6D31C}" type="slidenum">
+            <a:fld id="{7E544135-7BA6-48C3-AAAA-9F9915FF44BF}" type="slidenum">
               <a:rPr lang="zh-CN" altLang="en-US" smtClean="0"/>
               <a:t>‹#›</a:t>
             </a:fld>
@@ -3003,7 +3003,7 @@
     </p:spTree>
     <p:extLst>
       <p:ext uri="{BB962C8B-B14F-4D97-AF65-F5344CB8AC3E}">
-        <p14:creationId xmlns:p14="http://schemas.microsoft.com/office/powerpoint/2010/main" val="398810274"/>
+        <p14:creationId xmlns:p14="http://schemas.microsoft.com/office/powerpoint/2010/main" val="2301082341"/>
       </p:ext>
     </p:extLst>
   </p:cSld>
@@ -3323,7 +3323,7 @@
       </p:grpSpPr>
       <p:pic>
         <p:nvPicPr>
-          <p:cNvPr id="1214466" name="Picture 2" descr="1185"/>
+          <p:cNvPr id="1215490" name="Picture 2" descr="1186"/>
           <p:cNvPicPr>
             <a:picLocks noChangeAspect="1" noChangeArrowheads="1"/>
           </p:cNvPicPr>
@@ -3344,8 +3344,8 @@
         </p:blipFill>
         <p:spPr bwMode="auto">
           <a:xfrm>
-            <a:off x="1524000" y="0"/>
-            <a:ext cx="9144000" cy="6859588"/>
+            <a:off x="1543050" y="14288"/>
+            <a:ext cx="9124950" cy="6843712"/>
           </a:xfrm>
           <a:prstGeom prst="rect">
             <a:avLst/>
